--- a/sass/sass.pptx
+++ b/sass/sass.pptx
@@ -18,11 +18,11 @@
     <p:sldId id="262" r:id="rId9"/>
     <p:sldId id="263" r:id="rId10"/>
     <p:sldId id="264" r:id="rId11"/>
-    <p:sldId id="266" r:id="rId12"/>
-    <p:sldId id="267" r:id="rId13"/>
-    <p:sldId id="268" r:id="rId14"/>
-    <p:sldId id="274" r:id="rId15"/>
-    <p:sldId id="269" r:id="rId16"/>
+    <p:sldId id="269" r:id="rId12"/>
+    <p:sldId id="266" r:id="rId13"/>
+    <p:sldId id="267" r:id="rId14"/>
+    <p:sldId id="268" r:id="rId15"/>
+    <p:sldId id="274" r:id="rId16"/>
     <p:sldId id="270" r:id="rId17"/>
     <p:sldId id="271" r:id="rId18"/>
   </p:sldIdLst>
@@ -3909,6 +3909,459 @@
       </p:grpSpPr>
       <p:sp>
         <p:nvSpPr>
+          <p:cNvPr id="192" name="Shape 192"/>
+          <p:cNvSpPr/>
+          <p:nvPr/>
+        </p:nvSpPr>
+        <p:spPr>
+          <a:xfrm rot="5400000">
+            <a:off x="106363" y="120650"/>
+            <a:ext cx="274637" cy="273050"/>
+          </a:xfrm>
+          <a:custGeom>
+            <a:avLst/>
+            <a:gdLst/>
+            <a:ahLst/>
+            <a:cxnLst>
+              <a:cxn ang="0">
+                <a:pos x="wd2" y="hd2"/>
+              </a:cxn>
+              <a:cxn ang="5400000">
+                <a:pos x="wd2" y="hd2"/>
+              </a:cxn>
+              <a:cxn ang="10800000">
+                <a:pos x="wd2" y="hd2"/>
+              </a:cxn>
+              <a:cxn ang="16200000">
+                <a:pos x="wd2" y="hd2"/>
+              </a:cxn>
+            </a:cxnLst>
+            <a:rect l="0" t="0" r="r" b="b"/>
+            <a:pathLst>
+              <a:path w="21600" h="21600" extrusionOk="0">
+                <a:moveTo>
+                  <a:pt x="0" y="21600"/>
+                </a:moveTo>
+                <a:lnTo>
+                  <a:pt x="21600" y="21600"/>
+                </a:lnTo>
+                <a:lnTo>
+                  <a:pt x="0" y="0"/>
+                </a:lnTo>
+                <a:close/>
+              </a:path>
+            </a:pathLst>
+          </a:custGeom>
+          <a:solidFill>
+            <a:srgbClr val="0176AB"/>
+          </a:solidFill>
+          <a:ln w="12700">
+            <a:miter lim="400000"/>
+          </a:ln>
+        </p:spPr>
+        <p:txBody>
+          <a:bodyPr lIns="45719" rIns="45719" anchor="ctr"/>
+          <a:lstStyle/>
+          <a:p>
+            <a:pPr algn="ctr">
+              <a:defRPr>
+                <a:solidFill>
+                  <a:srgbClr val="FFFFFF"/>
+                </a:solidFill>
+              </a:defRPr>
+            </a:pPr>
+            <a:endParaRPr/>
+          </a:p>
+        </p:txBody>
+      </p:sp>
+      <p:sp>
+        <p:nvSpPr>
+          <p:cNvPr id="193" name="Shape 193"/>
+          <p:cNvSpPr/>
+          <p:nvPr/>
+        </p:nvSpPr>
+        <p:spPr>
+          <a:xfrm rot="16200000">
+            <a:off x="11830050" y="6515100"/>
+            <a:ext cx="273050" cy="273050"/>
+          </a:xfrm>
+          <a:custGeom>
+            <a:avLst/>
+            <a:gdLst/>
+            <a:ahLst/>
+            <a:cxnLst>
+              <a:cxn ang="0">
+                <a:pos x="wd2" y="hd2"/>
+              </a:cxn>
+              <a:cxn ang="5400000">
+                <a:pos x="wd2" y="hd2"/>
+              </a:cxn>
+              <a:cxn ang="10800000">
+                <a:pos x="wd2" y="hd2"/>
+              </a:cxn>
+              <a:cxn ang="16200000">
+                <a:pos x="wd2" y="hd2"/>
+              </a:cxn>
+            </a:cxnLst>
+            <a:rect l="0" t="0" r="r" b="b"/>
+            <a:pathLst>
+              <a:path w="21600" h="21600" extrusionOk="0">
+                <a:moveTo>
+                  <a:pt x="0" y="21600"/>
+                </a:moveTo>
+                <a:lnTo>
+                  <a:pt x="21600" y="21600"/>
+                </a:lnTo>
+                <a:lnTo>
+                  <a:pt x="0" y="0"/>
+                </a:lnTo>
+                <a:close/>
+              </a:path>
+            </a:pathLst>
+          </a:custGeom>
+          <a:solidFill>
+            <a:srgbClr val="E5AA57"/>
+          </a:solidFill>
+          <a:ln w="12700">
+            <a:miter lim="400000"/>
+          </a:ln>
+        </p:spPr>
+        <p:txBody>
+          <a:bodyPr lIns="45719" rIns="45719" anchor="ctr"/>
+          <a:lstStyle/>
+          <a:p>
+            <a:pPr algn="ctr">
+              <a:defRPr>
+                <a:solidFill>
+                  <a:srgbClr val="FFFFFF"/>
+                </a:solidFill>
+              </a:defRPr>
+            </a:pPr>
+            <a:endParaRPr/>
+          </a:p>
+        </p:txBody>
+      </p:sp>
+      <p:pic>
+        <p:nvPicPr>
+          <p:cNvPr id="194" name="image2.jpeg" descr="未标题-1"/>
+          <p:cNvPicPr>
+            <a:picLocks noChangeAspect="1"/>
+          </p:cNvPicPr>
+          <p:nvPr/>
+        </p:nvPicPr>
+        <p:blipFill>
+          <a:blip r:embed="rId2">
+            <a:extLst/>
+          </a:blip>
+          <a:srcRect l="33645"/>
+          <a:stretch>
+            <a:fillRect/>
+          </a:stretch>
+        </p:blipFill>
+        <p:spPr>
+          <a:xfrm>
+            <a:off x="545465" y="314959"/>
+            <a:ext cx="1862455" cy="552451"/>
+          </a:xfrm>
+          <a:prstGeom prst="rect">
+            <a:avLst/>
+          </a:prstGeom>
+          <a:ln w="12700">
+            <a:miter lim="400000"/>
+          </a:ln>
+        </p:spPr>
+      </p:pic>
+      <p:sp>
+        <p:nvSpPr>
+          <p:cNvPr id="195" name="Shape 195"/>
+          <p:cNvSpPr/>
+          <p:nvPr/>
+        </p:nvSpPr>
+        <p:spPr>
+          <a:xfrm>
+            <a:off x="966142" y="1322387"/>
+            <a:ext cx="8227716" cy="4385816"/>
+          </a:xfrm>
+          <a:prstGeom prst="rect">
+            <a:avLst/>
+          </a:prstGeom>
+          <a:ln w="12700">
+            <a:miter lim="400000"/>
+          </a:ln>
+          <a:extLst>
+            <a:ext uri="{C572A759-6A51-4108-AA02-DFA0A04FC94B}">
+              <ma14:wrappingTextBoxFlag xmlns:ma14="http://schemas.microsoft.com/office/mac/drawingml/2011/main" val="1"/>
+            </a:ext>
+          </a:extLst>
+        </p:spPr>
+        <p:txBody>
+          <a:bodyPr lIns="45719" rIns="45719">
+            <a:spAutoFit/>
+          </a:bodyPr>
+          <a:lstStyle/>
+          <a:p>
+            <a:pPr>
+              <a:defRPr>
+                <a:latin typeface="Arial"/>
+                <a:ea typeface="Arial"/>
+                <a:cs typeface="Arial"/>
+                <a:sym typeface="Arial"/>
+              </a:defRPr>
+            </a:pPr>
+            <a:endParaRPr dirty="0"/>
+          </a:p>
+          <a:p>
+            <a:pPr defTabSz="457200">
+              <a:tabLst>
+                <a:tab pos="355600" algn="l"/>
+                <a:tab pos="711200" algn="l"/>
+                <a:tab pos="1066800" algn="l"/>
+                <a:tab pos="1422400" algn="l"/>
+                <a:tab pos="1778000" algn="l"/>
+                <a:tab pos="2133600" algn="l"/>
+                <a:tab pos="2489200" algn="l"/>
+                <a:tab pos="2844800" algn="l"/>
+                <a:tab pos="3200400" algn="l"/>
+                <a:tab pos="3556000" algn="l"/>
+                <a:tab pos="3911600" algn="l"/>
+                <a:tab pos="4267200" algn="l"/>
+              </a:tabLst>
+              <a:defRPr>
+                <a:latin typeface="宋体"/>
+                <a:ea typeface="宋体"/>
+                <a:cs typeface="宋体"/>
+                <a:sym typeface="宋体"/>
+              </a:defRPr>
+            </a:pPr>
+            <a:endParaRPr dirty="0"/>
+          </a:p>
+          <a:p>
+            <a:pPr lvl="1" indent="228600" defTabSz="457200">
+              <a:lnSpc>
+                <a:spcPct val="150000"/>
+              </a:lnSpc>
+              <a:tabLst>
+                <a:tab pos="355600" algn="l"/>
+                <a:tab pos="711200" algn="l"/>
+                <a:tab pos="1066800" algn="l"/>
+                <a:tab pos="1422400" algn="l"/>
+                <a:tab pos="1778000" algn="l"/>
+                <a:tab pos="2133600" algn="l"/>
+                <a:tab pos="2489200" algn="l"/>
+                <a:tab pos="2844800" algn="l"/>
+                <a:tab pos="3200400" algn="l"/>
+                <a:tab pos="3556000" algn="l"/>
+                <a:tab pos="3911600" algn="l"/>
+                <a:tab pos="4267200" algn="l"/>
+              </a:tabLst>
+              <a:defRPr>
+                <a:latin typeface="宋体"/>
+                <a:ea typeface="宋体"/>
+                <a:cs typeface="宋体"/>
+                <a:sym typeface="宋体"/>
+              </a:defRPr>
+            </a:pPr>
+            <a:endParaRPr dirty="0"/>
+          </a:p>
+          <a:p>
+            <a:pPr lvl="1" indent="228600" defTabSz="457200">
+              <a:lnSpc>
+                <a:spcPct val="150000"/>
+              </a:lnSpc>
+              <a:tabLst>
+                <a:tab pos="355600" algn="l"/>
+                <a:tab pos="711200" algn="l"/>
+                <a:tab pos="1066800" algn="l"/>
+                <a:tab pos="1422400" algn="l"/>
+                <a:tab pos="1778000" algn="l"/>
+                <a:tab pos="2133600" algn="l"/>
+                <a:tab pos="2489200" algn="l"/>
+                <a:tab pos="2844800" algn="l"/>
+                <a:tab pos="3200400" algn="l"/>
+                <a:tab pos="3556000" algn="l"/>
+                <a:tab pos="3911600" algn="l"/>
+                <a:tab pos="4267200" algn="l"/>
+              </a:tabLst>
+              <a:defRPr>
+                <a:latin typeface="宋体"/>
+                <a:ea typeface="宋体"/>
+                <a:cs typeface="宋体"/>
+                <a:sym typeface="宋体"/>
+              </a:defRPr>
+            </a:pPr>
+            <a:r>
+              <a:rPr sz="2400" b="1" dirty="0"/>
+              <a:t>注释对于一名程序员来说，是极其重要，良好的注释能帮助自己或者别人阅读源码。在 Sass 中注释有两种方式：</a:t>
+            </a:r>
+          </a:p>
+          <a:p>
+            <a:pPr lvl="1" indent="228600" defTabSz="457200">
+              <a:lnSpc>
+                <a:spcPct val="150000"/>
+              </a:lnSpc>
+              <a:tabLst>
+                <a:tab pos="355600" algn="l"/>
+                <a:tab pos="711200" algn="l"/>
+                <a:tab pos="1066800" algn="l"/>
+                <a:tab pos="1422400" algn="l"/>
+                <a:tab pos="1778000" algn="l"/>
+                <a:tab pos="2133600" algn="l"/>
+                <a:tab pos="2489200" algn="l"/>
+                <a:tab pos="2844800" algn="l"/>
+                <a:tab pos="3200400" algn="l"/>
+                <a:tab pos="3556000" algn="l"/>
+                <a:tab pos="3911600" algn="l"/>
+                <a:tab pos="4267200" algn="l"/>
+              </a:tabLst>
+              <a:defRPr>
+                <a:latin typeface="宋体"/>
+                <a:ea typeface="宋体"/>
+                <a:cs typeface="宋体"/>
+                <a:sym typeface="宋体"/>
+              </a:defRPr>
+            </a:pPr>
+            <a:r>
+              <a:rPr sz="2400" b="1" dirty="0"/>
+              <a:t>1、类似 CSS 的注释方式，使用 ”/*  */ ”</a:t>
+            </a:r>
+          </a:p>
+          <a:p>
+            <a:pPr lvl="1" indent="228600" defTabSz="457200">
+              <a:lnSpc>
+                <a:spcPct val="150000"/>
+              </a:lnSpc>
+              <a:tabLst>
+                <a:tab pos="355600" algn="l"/>
+                <a:tab pos="711200" algn="l"/>
+                <a:tab pos="1066800" algn="l"/>
+                <a:tab pos="1422400" algn="l"/>
+                <a:tab pos="1778000" algn="l"/>
+                <a:tab pos="2133600" algn="l"/>
+                <a:tab pos="2489200" algn="l"/>
+                <a:tab pos="2844800" algn="l"/>
+                <a:tab pos="3200400" algn="l"/>
+                <a:tab pos="3556000" algn="l"/>
+                <a:tab pos="3911600" algn="l"/>
+                <a:tab pos="4267200" algn="l"/>
+              </a:tabLst>
+              <a:defRPr>
+                <a:latin typeface="宋体"/>
+                <a:ea typeface="宋体"/>
+                <a:cs typeface="宋体"/>
+                <a:sym typeface="宋体"/>
+              </a:defRPr>
+            </a:pPr>
+            <a:r>
+              <a:rPr sz="2400" b="1" dirty="0"/>
+              <a:t>2、类似 JavaScript 的注释方式，使用“//”</a:t>
+            </a:r>
+          </a:p>
+          <a:p>
+            <a:pPr lvl="1" indent="228600" defTabSz="457200">
+              <a:lnSpc>
+                <a:spcPct val="150000"/>
+              </a:lnSpc>
+              <a:tabLst>
+                <a:tab pos="355600" algn="l"/>
+                <a:tab pos="711200" algn="l"/>
+                <a:tab pos="1066800" algn="l"/>
+                <a:tab pos="1422400" algn="l"/>
+                <a:tab pos="1778000" algn="l"/>
+                <a:tab pos="2133600" algn="l"/>
+                <a:tab pos="2489200" algn="l"/>
+                <a:tab pos="2844800" algn="l"/>
+                <a:tab pos="3200400" algn="l"/>
+                <a:tab pos="3556000" algn="l"/>
+                <a:tab pos="3911600" algn="l"/>
+                <a:tab pos="4267200" algn="l"/>
+              </a:tabLst>
+              <a:defRPr>
+                <a:latin typeface="宋体"/>
+                <a:ea typeface="宋体"/>
+                <a:cs typeface="宋体"/>
+                <a:sym typeface="宋体"/>
+              </a:defRPr>
+            </a:pPr>
+            <a:r>
+              <a:rPr sz="2400" b="1" dirty="0"/>
+              <a:t>两者区别，前者会在编译出来的 CSS 显示，后者在编译出来的 CSS 中不会显示，</a:t>
+            </a:r>
+          </a:p>
+        </p:txBody>
+      </p:sp>
+      <p:sp>
+        <p:nvSpPr>
+          <p:cNvPr id="196" name="Shape 196"/>
+          <p:cNvSpPr/>
+          <p:nvPr/>
+        </p:nvSpPr>
+        <p:spPr>
+          <a:xfrm>
+            <a:off x="1017587" y="1309687"/>
+            <a:ext cx="913068" cy="584775"/>
+          </a:xfrm>
+          <a:prstGeom prst="rect">
+            <a:avLst/>
+          </a:prstGeom>
+          <a:ln w="12700">
+            <a:miter lim="400000"/>
+          </a:ln>
+          <a:extLst>
+            <a:ext uri="{C572A759-6A51-4108-AA02-DFA0A04FC94B}">
+              <ma14:wrappingTextBoxFlag xmlns:ma14="http://schemas.microsoft.com/office/mac/drawingml/2011/main" val="1"/>
+            </a:ext>
+          </a:extLst>
+        </p:spPr>
+        <p:txBody>
+          <a:bodyPr wrap="none" lIns="45719" rIns="45719">
+            <a:spAutoFit/>
+          </a:bodyPr>
+          <a:lstStyle>
+            <a:lvl1pPr>
+              <a:defRPr sz="3200">
+                <a:latin typeface="宋体"/>
+                <a:ea typeface="宋体"/>
+                <a:cs typeface="宋体"/>
+                <a:sym typeface="宋体"/>
+              </a:defRPr>
+            </a:lvl1pPr>
+          </a:lstStyle>
+          <a:p>
+            <a:r>
+              <a:rPr b="1" dirty="0"/>
+              <a:t>注释</a:t>
+            </a:r>
+          </a:p>
+        </p:txBody>
+      </p:sp>
+    </p:spTree>
+  </p:cSld>
+  <p:clrMapOvr>
+    <a:masterClrMapping/>
+  </p:clrMapOvr>
+  <p:transition spd="slow"/>
+</p:sld>
+</file>
+
+<file path=ppt/slides/slide12.xml><?xml version="1.0" encoding="utf-8"?>
+<p:sld xmlns:a="http://schemas.openxmlformats.org/drawingml/2006/main" xmlns:r="http://schemas.openxmlformats.org/officeDocument/2006/relationships" xmlns:p="http://schemas.openxmlformats.org/presentationml/2006/main">
+  <p:cSld>
+    <p:spTree>
+      <p:nvGrpSpPr>
+        <p:cNvPr id="1" name=""/>
+        <p:cNvGrpSpPr/>
+        <p:nvPr/>
+      </p:nvGrpSpPr>
+      <p:grpSpPr>
+        <a:xfrm>
+          <a:off x="0" y="0"/>
+          <a:ext cx="0" cy="0"/>
+          <a:chOff x="0" y="0"/>
+          <a:chExt cx="0" cy="0"/>
+        </a:xfrm>
+      </p:grpSpPr>
+      <p:sp>
+        <p:nvSpPr>
           <p:cNvPr id="173" name="Shape 173"/>
           <p:cNvSpPr/>
           <p:nvPr/>
@@ -4080,7 +4533,7 @@
         <p:spPr>
           <a:xfrm>
             <a:off x="991542" y="1284287"/>
-            <a:ext cx="8227716" cy="4693593"/>
+            <a:ext cx="8227716" cy="4324261"/>
           </a:xfrm>
           <a:prstGeom prst="rect">
             <a:avLst/>
@@ -4210,30 +4663,16 @@
           </a:p>
           <a:p>
             <a:r>
-              <a:rPr lang="zh-CN" altLang="en-US" sz="2400" b="1" dirty="0" smtClean="0"/>
-              <a:t>            字符串拼接</a:t>
+              <a:rPr lang="zh-CN" altLang="en-US" sz="2400" b="1" smtClean="0"/>
+              <a:t>           </a:t>
+            </a:r>
+            <a:r>
+              <a:rPr lang="en-US" altLang="zh-CN" sz="2400" b="1" smtClean="0"/>
+              <a:t>to-upper-case</a:t>
             </a:r>
             <a:r>
               <a:rPr lang="en-US" altLang="zh-CN" sz="2400" b="1" dirty="0" smtClean="0"/>
-              <a:t>: +</a:t>
-            </a:r>
-            <a:r>
-              <a:rPr lang="zh-CN" altLang="en-US" sz="2400" b="1" dirty="0"/>
-              <a:t> </a:t>
-            </a:r>
-            <a:r>
-              <a:rPr lang="zh-CN" altLang="en-US" sz="2400" b="1" dirty="0" smtClean="0"/>
-              <a:t>  </a:t>
-            </a:r>
-          </a:p>
-          <a:p>
-            <a:r>
-              <a:rPr lang="zh-CN" altLang="en-US" sz="2400" b="1" dirty="0" smtClean="0"/>
-              <a:t>            </a:t>
-            </a:r>
-            <a:r>
-              <a:rPr lang="en-US" altLang="zh-CN" sz="2400" b="1" dirty="0" smtClean="0"/>
-              <a:t>to-upper-case($</a:t>
+              <a:t>($</a:t>
             </a:r>
             <a:r>
               <a:rPr lang="en-US" altLang="zh-CN" sz="2400" b="1" dirty="0" err="1" smtClean="0"/>
@@ -4290,7 +4729,15 @@
             </a:r>
             <a:r>
               <a:rPr lang="zh-CN" altLang="en-US" sz="2400" b="1" dirty="0" smtClean="0"/>
-              <a:t>           索引</a:t>
+              <a:t>           </a:t>
+            </a:r>
+            <a:r>
+              <a:rPr lang="zh-CN" altLang="en-US" sz="2400" b="1" dirty="0" smtClean="0"/>
+              <a:t>索引</a:t>
+            </a:r>
+            <a:r>
+              <a:rPr lang="zh-CN" altLang="en-US" sz="2400" b="1" dirty="0" smtClean="0"/>
+              <a:t>从</a:t>
             </a:r>
             <a:r>
               <a:rPr lang="en-US" altLang="zh-CN" sz="2400" b="1" dirty="0" smtClean="0"/>
@@ -4476,7 +4923,7 @@
 </p:sld>
 </file>
 
-<file path=ppt/slides/slide12.xml><?xml version="1.0" encoding="utf-8"?>
+<file path=ppt/slides/slide13.xml><?xml version="1.0" encoding="utf-8"?>
 <p:sld xmlns:a="http://schemas.openxmlformats.org/drawingml/2006/main" xmlns:r="http://schemas.openxmlformats.org/officeDocument/2006/relationships" xmlns:p="http://schemas.openxmlformats.org/presentationml/2006/main">
   <p:cSld>
     <p:spTree>
@@ -5100,7 +5547,7 @@
 </p:sld>
 </file>
 
-<file path=ppt/slides/slide13.xml><?xml version="1.0" encoding="utf-8"?>
+<file path=ppt/slides/slide14.xml><?xml version="1.0" encoding="utf-8"?>
 <p:sld xmlns:a="http://schemas.openxmlformats.org/drawingml/2006/main" xmlns:r="http://schemas.openxmlformats.org/officeDocument/2006/relationships" xmlns:p="http://schemas.openxmlformats.org/presentationml/2006/main">
   <p:cSld>
     <p:spTree>
@@ -5673,378 +6120,6 @@
         </p:txBody>
       </p:sp>
     </p:spTree>
-  </p:cSld>
-  <p:clrMapOvr>
-    <a:masterClrMapping/>
-  </p:clrMapOvr>
-  <p:transition spd="slow"/>
-</p:sld>
-</file>
-
-<file path=ppt/slides/slide14.xml><?xml version="1.0" encoding="utf-8"?>
-<p:sld xmlns:a="http://schemas.openxmlformats.org/drawingml/2006/main" xmlns:r="http://schemas.openxmlformats.org/officeDocument/2006/relationships" xmlns:p="http://schemas.openxmlformats.org/presentationml/2006/main">
-  <p:cSld>
-    <p:spTree>
-      <p:nvGrpSpPr>
-        <p:cNvPr id="1" name=""/>
-        <p:cNvGrpSpPr/>
-        <p:nvPr/>
-      </p:nvGrpSpPr>
-      <p:grpSpPr>
-        <a:xfrm>
-          <a:off x="0" y="0"/>
-          <a:ext cx="0" cy="0"/>
-          <a:chOff x="0" y="0"/>
-          <a:chExt cx="0" cy="0"/>
-        </a:xfrm>
-      </p:grpSpPr>
-      <p:sp>
-        <p:nvSpPr>
-          <p:cNvPr id="192" name="Shape 192"/>
-          <p:cNvSpPr/>
-          <p:nvPr/>
-        </p:nvSpPr>
-        <p:spPr>
-          <a:xfrm rot="5400000">
-            <a:off x="106363" y="120650"/>
-            <a:ext cx="274637" cy="273050"/>
-          </a:xfrm>
-          <a:custGeom>
-            <a:avLst/>
-            <a:gdLst/>
-            <a:ahLst/>
-            <a:cxnLst>
-              <a:cxn ang="0">
-                <a:pos x="wd2" y="hd2"/>
-              </a:cxn>
-              <a:cxn ang="5400000">
-                <a:pos x="wd2" y="hd2"/>
-              </a:cxn>
-              <a:cxn ang="10800000">
-                <a:pos x="wd2" y="hd2"/>
-              </a:cxn>
-              <a:cxn ang="16200000">
-                <a:pos x="wd2" y="hd2"/>
-              </a:cxn>
-            </a:cxnLst>
-            <a:rect l="0" t="0" r="r" b="b"/>
-            <a:pathLst>
-              <a:path w="21600" h="21600" extrusionOk="0">
-                <a:moveTo>
-                  <a:pt x="0" y="21600"/>
-                </a:moveTo>
-                <a:lnTo>
-                  <a:pt x="21600" y="21600"/>
-                </a:lnTo>
-                <a:lnTo>
-                  <a:pt x="0" y="0"/>
-                </a:lnTo>
-                <a:close/>
-              </a:path>
-            </a:pathLst>
-          </a:custGeom>
-          <a:solidFill>
-            <a:srgbClr val="0176AB"/>
-          </a:solidFill>
-          <a:ln w="12700">
-            <a:miter lim="400000"/>
-          </a:ln>
-        </p:spPr>
-        <p:txBody>
-          <a:bodyPr lIns="45719" rIns="45719" anchor="ctr"/>
-          <a:lstStyle/>
-          <a:p>
-            <a:pPr algn="ctr">
-              <a:defRPr>
-                <a:solidFill>
-                  <a:srgbClr val="FFFFFF"/>
-                </a:solidFill>
-              </a:defRPr>
-            </a:pPr>
-            <a:endParaRPr/>
-          </a:p>
-        </p:txBody>
-      </p:sp>
-      <p:sp>
-        <p:nvSpPr>
-          <p:cNvPr id="193" name="Shape 193"/>
-          <p:cNvSpPr/>
-          <p:nvPr/>
-        </p:nvSpPr>
-        <p:spPr>
-          <a:xfrm rot="16200000">
-            <a:off x="11830050" y="6515100"/>
-            <a:ext cx="273050" cy="273050"/>
-          </a:xfrm>
-          <a:custGeom>
-            <a:avLst/>
-            <a:gdLst/>
-            <a:ahLst/>
-            <a:cxnLst>
-              <a:cxn ang="0">
-                <a:pos x="wd2" y="hd2"/>
-              </a:cxn>
-              <a:cxn ang="5400000">
-                <a:pos x="wd2" y="hd2"/>
-              </a:cxn>
-              <a:cxn ang="10800000">
-                <a:pos x="wd2" y="hd2"/>
-              </a:cxn>
-              <a:cxn ang="16200000">
-                <a:pos x="wd2" y="hd2"/>
-              </a:cxn>
-            </a:cxnLst>
-            <a:rect l="0" t="0" r="r" b="b"/>
-            <a:pathLst>
-              <a:path w="21600" h="21600" extrusionOk="0">
-                <a:moveTo>
-                  <a:pt x="0" y="21600"/>
-                </a:moveTo>
-                <a:lnTo>
-                  <a:pt x="21600" y="21600"/>
-                </a:lnTo>
-                <a:lnTo>
-                  <a:pt x="0" y="0"/>
-                </a:lnTo>
-                <a:close/>
-              </a:path>
-            </a:pathLst>
-          </a:custGeom>
-          <a:solidFill>
-            <a:srgbClr val="E5AA57"/>
-          </a:solidFill>
-          <a:ln w="12700">
-            <a:miter lim="400000"/>
-          </a:ln>
-        </p:spPr>
-        <p:txBody>
-          <a:bodyPr lIns="45719" rIns="45719" anchor="ctr"/>
-          <a:lstStyle/>
-          <a:p>
-            <a:pPr algn="ctr">
-              <a:defRPr>
-                <a:solidFill>
-                  <a:srgbClr val="FFFFFF"/>
-                </a:solidFill>
-              </a:defRPr>
-            </a:pPr>
-            <a:endParaRPr/>
-          </a:p>
-        </p:txBody>
-      </p:sp>
-      <p:pic>
-        <p:nvPicPr>
-          <p:cNvPr id="194" name="image2.jpeg" descr="未标题-1"/>
-          <p:cNvPicPr>
-            <a:picLocks noChangeAspect="1"/>
-          </p:cNvPicPr>
-          <p:nvPr/>
-        </p:nvPicPr>
-        <p:blipFill>
-          <a:blip r:embed="rId2">
-            <a:extLst/>
-          </a:blip>
-          <a:srcRect l="33645"/>
-          <a:stretch>
-            <a:fillRect/>
-          </a:stretch>
-        </p:blipFill>
-        <p:spPr>
-          <a:xfrm>
-            <a:off x="545465" y="314959"/>
-            <a:ext cx="1862455" cy="552451"/>
-          </a:xfrm>
-          <a:prstGeom prst="rect">
-            <a:avLst/>
-          </a:prstGeom>
-          <a:ln w="12700">
-            <a:miter lim="400000"/>
-          </a:ln>
-        </p:spPr>
-      </p:pic>
-      <p:sp>
-        <p:nvSpPr>
-          <p:cNvPr id="195" name="Shape 195"/>
-          <p:cNvSpPr/>
-          <p:nvPr/>
-        </p:nvSpPr>
-        <p:spPr>
-          <a:xfrm>
-            <a:off x="966142" y="1322387"/>
-            <a:ext cx="8227716" cy="2723823"/>
-          </a:xfrm>
-          <a:prstGeom prst="rect">
-            <a:avLst/>
-          </a:prstGeom>
-          <a:ln w="12700">
-            <a:miter lim="400000"/>
-          </a:ln>
-          <a:extLst>
-            <a:ext uri="{C572A759-6A51-4108-AA02-DFA0A04FC94B}">
-              <ma14:wrappingTextBoxFlag xmlns:ma14="http://schemas.microsoft.com/office/mac/drawingml/2011/main" val="1"/>
-            </a:ext>
-          </a:extLst>
-        </p:spPr>
-        <p:txBody>
-          <a:bodyPr lIns="45719" rIns="45719">
-            <a:spAutoFit/>
-          </a:bodyPr>
-          <a:lstStyle/>
-          <a:p>
-            <a:pPr>
-              <a:defRPr>
-                <a:latin typeface="Arial"/>
-                <a:ea typeface="Arial"/>
-                <a:cs typeface="Arial"/>
-                <a:sym typeface="Arial"/>
-              </a:defRPr>
-            </a:pPr>
-            <a:endParaRPr dirty="0"/>
-          </a:p>
-          <a:p>
-            <a:pPr defTabSz="457200">
-              <a:tabLst>
-                <a:tab pos="355600" algn="l"/>
-                <a:tab pos="711200" algn="l"/>
-                <a:tab pos="1066800" algn="l"/>
-                <a:tab pos="1422400" algn="l"/>
-                <a:tab pos="1778000" algn="l"/>
-                <a:tab pos="2133600" algn="l"/>
-                <a:tab pos="2489200" algn="l"/>
-                <a:tab pos="2844800" algn="l"/>
-                <a:tab pos="3200400" algn="l"/>
-                <a:tab pos="3556000" algn="l"/>
-                <a:tab pos="3911600" algn="l"/>
-                <a:tab pos="4267200" algn="l"/>
-              </a:tabLst>
-              <a:defRPr>
-                <a:latin typeface="宋体"/>
-                <a:ea typeface="宋体"/>
-                <a:cs typeface="宋体"/>
-                <a:sym typeface="宋体"/>
-              </a:defRPr>
-            </a:pPr>
-            <a:endParaRPr dirty="0"/>
-          </a:p>
-          <a:p>
-            <a:pPr lvl="1" indent="228600" defTabSz="457200">
-              <a:lnSpc>
-                <a:spcPct val="150000"/>
-              </a:lnSpc>
-              <a:tabLst>
-                <a:tab pos="355600" algn="l"/>
-                <a:tab pos="711200" algn="l"/>
-                <a:tab pos="1066800" algn="l"/>
-                <a:tab pos="1422400" algn="l"/>
-                <a:tab pos="1778000" algn="l"/>
-                <a:tab pos="2133600" algn="l"/>
-                <a:tab pos="2489200" algn="l"/>
-                <a:tab pos="2844800" algn="l"/>
-                <a:tab pos="3200400" algn="l"/>
-                <a:tab pos="3556000" algn="l"/>
-                <a:tab pos="3911600" algn="l"/>
-                <a:tab pos="4267200" algn="l"/>
-              </a:tabLst>
-              <a:defRPr>
-                <a:latin typeface="宋体"/>
-                <a:ea typeface="宋体"/>
-                <a:cs typeface="宋体"/>
-                <a:sym typeface="宋体"/>
-              </a:defRPr>
-            </a:pPr>
-            <a:endParaRPr dirty="0"/>
-          </a:p>
-          <a:p>
-            <a:r>
-              <a:rPr lang="zh-CN" altLang="en-US" sz="2800" b="1" dirty="0" smtClean="0"/>
-              <a:t>         </a:t>
-            </a:r>
-            <a:r>
-              <a:rPr lang="en-US" altLang="zh-CN" sz="2800" b="1" dirty="0" smtClean="0"/>
-              <a:t>sass</a:t>
-            </a:r>
-            <a:r>
-              <a:rPr lang="zh-CN" altLang="en-US" sz="2800" b="1" dirty="0"/>
-              <a:t>具有运算的特性，可以对数值型的</a:t>
-            </a:r>
-            <a:r>
-              <a:rPr lang="en-US" altLang="zh-CN" sz="2800" b="1" dirty="0"/>
-              <a:t>Value(</a:t>
-            </a:r>
-            <a:r>
-              <a:rPr lang="zh-CN" altLang="en-US" sz="2800" b="1" dirty="0"/>
-              <a:t>如：数字、颜色、变量等</a:t>
-            </a:r>
-            <a:r>
-              <a:rPr lang="en-US" altLang="zh-CN" sz="2800" b="1" dirty="0"/>
-              <a:t>)</a:t>
-            </a:r>
-            <a:r>
-              <a:rPr lang="zh-CN" altLang="en-US" sz="2800" b="1" dirty="0"/>
-              <a:t>进行加减乘除四则运算</a:t>
-            </a:r>
-            <a:r>
-              <a:rPr lang="zh-CN" altLang="en-US" sz="2800" b="1" dirty="0" smtClean="0"/>
-              <a:t>。</a:t>
-            </a:r>
-          </a:p>
-          <a:p>
-            <a:endParaRPr lang="zh-CN" altLang="en-US" sz="2400" dirty="0" smtClean="0"/>
-          </a:p>
-        </p:txBody>
-      </p:sp>
-      <p:sp>
-        <p:nvSpPr>
-          <p:cNvPr id="196" name="Shape 196"/>
-          <p:cNvSpPr/>
-          <p:nvPr/>
-        </p:nvSpPr>
-        <p:spPr>
-          <a:xfrm>
-            <a:off x="1017587" y="1309687"/>
-            <a:ext cx="913068" cy="584775"/>
-          </a:xfrm>
-          <a:prstGeom prst="rect">
-            <a:avLst/>
-          </a:prstGeom>
-          <a:ln w="12700">
-            <a:miter lim="400000"/>
-          </a:ln>
-          <a:extLst>
-            <a:ext uri="{C572A759-6A51-4108-AA02-DFA0A04FC94B}">
-              <ma14:wrappingTextBoxFlag xmlns:ma14="http://schemas.microsoft.com/office/mac/drawingml/2011/main" val="1"/>
-            </a:ext>
-          </a:extLst>
-        </p:spPr>
-        <p:txBody>
-          <a:bodyPr wrap="none" lIns="45719" rIns="45719">
-            <a:spAutoFit/>
-          </a:bodyPr>
-          <a:lstStyle>
-            <a:lvl1pPr>
-              <a:defRPr sz="3200">
-                <a:latin typeface="宋体"/>
-                <a:ea typeface="宋体"/>
-                <a:cs typeface="宋体"/>
-                <a:sym typeface="宋体"/>
-              </a:defRPr>
-            </a:lvl1pPr>
-          </a:lstStyle>
-          <a:p>
-            <a:r>
-              <a:rPr lang="zh-CN" altLang="en-US" b="1" dirty="0" smtClean="0"/>
-              <a:t>运算</a:t>
-            </a:r>
-            <a:endParaRPr b="1" dirty="0"/>
-          </a:p>
-        </p:txBody>
-      </p:sp>
-    </p:spTree>
-    <p:extLst>
-      <p:ext uri="{BB962C8B-B14F-4D97-AF65-F5344CB8AC3E}">
-        <p14:creationId xmlns:p14="http://schemas.microsoft.com/office/powerpoint/2010/main" val="1059961393"/>
-      </p:ext>
-    </p:extLst>
   </p:cSld>
   <p:clrMapOvr>
     <a:masterClrMapping/>
@@ -6243,7 +6318,7 @@
         <p:spPr>
           <a:xfrm>
             <a:off x="966142" y="1322387"/>
-            <a:ext cx="8227716" cy="4385816"/>
+            <a:ext cx="8227716" cy="2723823"/>
           </a:xfrm>
           <a:prstGeom prst="rect">
             <a:avLst/>
@@ -6327,128 +6402,41 @@
             <a:endParaRPr dirty="0"/>
           </a:p>
           <a:p>
-            <a:pPr lvl="1" indent="228600" defTabSz="457200">
-              <a:lnSpc>
-                <a:spcPct val="150000"/>
-              </a:lnSpc>
-              <a:tabLst>
-                <a:tab pos="355600" algn="l"/>
-                <a:tab pos="711200" algn="l"/>
-                <a:tab pos="1066800" algn="l"/>
-                <a:tab pos="1422400" algn="l"/>
-                <a:tab pos="1778000" algn="l"/>
-                <a:tab pos="2133600" algn="l"/>
-                <a:tab pos="2489200" algn="l"/>
-                <a:tab pos="2844800" algn="l"/>
-                <a:tab pos="3200400" algn="l"/>
-                <a:tab pos="3556000" algn="l"/>
-                <a:tab pos="3911600" algn="l"/>
-                <a:tab pos="4267200" algn="l"/>
-              </a:tabLst>
-              <a:defRPr>
-                <a:latin typeface="宋体"/>
-                <a:ea typeface="宋体"/>
-                <a:cs typeface="宋体"/>
-                <a:sym typeface="宋体"/>
-              </a:defRPr>
-            </a:pPr>
-            <a:r>
-              <a:rPr sz="2400" b="1" dirty="0"/>
-              <a:t>注释对于一名程序员来说，是极其重要，良好的注释能帮助自己或者别人阅读源码。在 Sass 中注释有两种方式：</a:t>
-            </a:r>
-          </a:p>
-          <a:p>
-            <a:pPr lvl="1" indent="228600" defTabSz="457200">
-              <a:lnSpc>
-                <a:spcPct val="150000"/>
-              </a:lnSpc>
-              <a:tabLst>
-                <a:tab pos="355600" algn="l"/>
-                <a:tab pos="711200" algn="l"/>
-                <a:tab pos="1066800" algn="l"/>
-                <a:tab pos="1422400" algn="l"/>
-                <a:tab pos="1778000" algn="l"/>
-                <a:tab pos="2133600" algn="l"/>
-                <a:tab pos="2489200" algn="l"/>
-                <a:tab pos="2844800" algn="l"/>
-                <a:tab pos="3200400" algn="l"/>
-                <a:tab pos="3556000" algn="l"/>
-                <a:tab pos="3911600" algn="l"/>
-                <a:tab pos="4267200" algn="l"/>
-              </a:tabLst>
-              <a:defRPr>
-                <a:latin typeface="宋体"/>
-                <a:ea typeface="宋体"/>
-                <a:cs typeface="宋体"/>
-                <a:sym typeface="宋体"/>
-              </a:defRPr>
-            </a:pPr>
-            <a:r>
-              <a:rPr sz="2400" b="1" dirty="0"/>
-              <a:t>1、类似 CSS 的注释方式，使用 ”/*  */ ”</a:t>
-            </a:r>
-          </a:p>
-          <a:p>
-            <a:pPr lvl="1" indent="228600" defTabSz="457200">
-              <a:lnSpc>
-                <a:spcPct val="150000"/>
-              </a:lnSpc>
-              <a:tabLst>
-                <a:tab pos="355600" algn="l"/>
-                <a:tab pos="711200" algn="l"/>
-                <a:tab pos="1066800" algn="l"/>
-                <a:tab pos="1422400" algn="l"/>
-                <a:tab pos="1778000" algn="l"/>
-                <a:tab pos="2133600" algn="l"/>
-                <a:tab pos="2489200" algn="l"/>
-                <a:tab pos="2844800" algn="l"/>
-                <a:tab pos="3200400" algn="l"/>
-                <a:tab pos="3556000" algn="l"/>
-                <a:tab pos="3911600" algn="l"/>
-                <a:tab pos="4267200" algn="l"/>
-              </a:tabLst>
-              <a:defRPr>
-                <a:latin typeface="宋体"/>
-                <a:ea typeface="宋体"/>
-                <a:cs typeface="宋体"/>
-                <a:sym typeface="宋体"/>
-              </a:defRPr>
-            </a:pPr>
-            <a:r>
-              <a:rPr sz="2400" b="1" dirty="0"/>
-              <a:t>2、类似 JavaScript 的注释方式，使用“//”</a:t>
-            </a:r>
-          </a:p>
-          <a:p>
-            <a:pPr lvl="1" indent="228600" defTabSz="457200">
-              <a:lnSpc>
-                <a:spcPct val="150000"/>
-              </a:lnSpc>
-              <a:tabLst>
-                <a:tab pos="355600" algn="l"/>
-                <a:tab pos="711200" algn="l"/>
-                <a:tab pos="1066800" algn="l"/>
-                <a:tab pos="1422400" algn="l"/>
-                <a:tab pos="1778000" algn="l"/>
-                <a:tab pos="2133600" algn="l"/>
-                <a:tab pos="2489200" algn="l"/>
-                <a:tab pos="2844800" algn="l"/>
-                <a:tab pos="3200400" algn="l"/>
-                <a:tab pos="3556000" algn="l"/>
-                <a:tab pos="3911600" algn="l"/>
-                <a:tab pos="4267200" algn="l"/>
-              </a:tabLst>
-              <a:defRPr>
-                <a:latin typeface="宋体"/>
-                <a:ea typeface="宋体"/>
-                <a:cs typeface="宋体"/>
-                <a:sym typeface="宋体"/>
-              </a:defRPr>
-            </a:pPr>
-            <a:r>
-              <a:rPr sz="2400" b="1" dirty="0"/>
-              <a:t>两者区别，前者会在编译出来的 CSS 显示，后者在编译出来的 CSS 中不会显示，</a:t>
-            </a:r>
+            <a:r>
+              <a:rPr lang="zh-CN" altLang="en-US" sz="2800" b="1" dirty="0" smtClean="0"/>
+              <a:t>         </a:t>
+            </a:r>
+            <a:r>
+              <a:rPr lang="en-US" altLang="zh-CN" sz="2800" b="1" dirty="0" smtClean="0"/>
+              <a:t>sass</a:t>
+            </a:r>
+            <a:r>
+              <a:rPr lang="zh-CN" altLang="en-US" sz="2800" b="1" dirty="0"/>
+              <a:t>具有运算的特性，可以对数值型的</a:t>
+            </a:r>
+            <a:r>
+              <a:rPr lang="en-US" altLang="zh-CN" sz="2800" b="1" dirty="0"/>
+              <a:t>Value(</a:t>
+            </a:r>
+            <a:r>
+              <a:rPr lang="zh-CN" altLang="en-US" sz="2800" b="1" dirty="0"/>
+              <a:t>如：数字、颜色、变量等</a:t>
+            </a:r>
+            <a:r>
+              <a:rPr lang="en-US" altLang="zh-CN" sz="2800" b="1" dirty="0"/>
+              <a:t>)</a:t>
+            </a:r>
+            <a:r>
+              <a:rPr lang="zh-CN" altLang="en-US" sz="2800" b="1" dirty="0"/>
+              <a:t>进行加减乘除四则运算</a:t>
+            </a:r>
+            <a:r>
+              <a:rPr lang="zh-CN" altLang="en-US" sz="2800" b="1" dirty="0" smtClean="0"/>
+              <a:t>。</a:t>
+            </a:r>
+          </a:p>
+          <a:p>
+            <a:endParaRPr lang="zh-CN" altLang="en-US" sz="2400" dirty="0" smtClean="0"/>
           </a:p>
         </p:txBody>
       </p:sp>
@@ -6491,13 +6479,19 @@
           </a:lstStyle>
           <a:p>
             <a:r>
-              <a:rPr b="1" dirty="0"/>
-              <a:t>注释</a:t>
-            </a:r>
+              <a:rPr lang="zh-CN" altLang="en-US" b="1" dirty="0" smtClean="0"/>
+              <a:t>运算</a:t>
+            </a:r>
+            <a:endParaRPr b="1" dirty="0"/>
           </a:p>
         </p:txBody>
       </p:sp>
     </p:spTree>
+    <p:extLst>
+      <p:ext uri="{BB962C8B-B14F-4D97-AF65-F5344CB8AC3E}">
+        <p14:creationId xmlns:p14="http://schemas.microsoft.com/office/powerpoint/2010/main" val="1059961393"/>
+      </p:ext>
+    </p:extLst>
   </p:cSld>
   <p:clrMapOvr>
     <a:masterClrMapping/>
@@ -8845,11 +8839,7 @@
             </a:pPr>
             <a:r>
               <a:rPr lang="zh-CN" altLang="en-US" sz="2400" b="1" dirty="0" smtClean="0"/>
-              <a:t>  </a:t>
-            </a:r>
-            <a:r>
-              <a:rPr lang="zh-CN" altLang="en-US" sz="2400" b="1" dirty="0" smtClean="0"/>
-              <a:t>下载地址：</a:t>
+              <a:t>  下载地址：</a:t>
             </a:r>
             <a:r>
               <a:rPr lang="en-US" altLang="zh-CN" sz="2400" b="1" dirty="0" smtClean="0"/>
@@ -9186,7 +9176,7 @@
         <p:spPr>
           <a:xfrm>
             <a:off x="1238355" y="3090770"/>
-            <a:ext cx="6481579" cy="2200758"/>
+            <a:ext cx="8791030" cy="2984910"/>
           </a:xfrm>
           <a:prstGeom prst="rect">
             <a:avLst/>
@@ -10572,8 +10562,21 @@
             </a:pPr>
             <a:r>
               <a:rPr sz="2400" b="1" dirty="0"/>
-              <a:t>1.应用于class和属性</a:t>
-            </a:r>
+              <a:t>1.</a:t>
+            </a:r>
+            <a:r>
+              <a:rPr sz="2400" b="1" dirty="0" smtClean="0"/>
+              <a:t>应用于</a:t>
+            </a:r>
+            <a:r>
+              <a:rPr lang="zh-CN" altLang="en-US" sz="2400" b="1" dirty="0" smtClean="0"/>
+              <a:t>选择器</a:t>
+            </a:r>
+            <a:r>
+              <a:rPr sz="2400" b="1" dirty="0" smtClean="0"/>
+              <a:t>和属性</a:t>
+            </a:r>
+            <a:endParaRPr sz="2400" b="1" dirty="0"/>
           </a:p>
           <a:p>
             <a:pPr lvl="2" indent="457200" defTabSz="457200">
@@ -11640,7 +11643,7 @@
             </a:r>
             <a:r>
               <a:rPr lang="en-US" altLang="zh-CN" sz="2400" b="1" dirty="0" smtClean="0"/>
-              <a:t>aa;</a:t>
+              <a:t>aa()</a:t>
             </a:r>
             <a:endParaRPr sz="2400" b="1" dirty="0"/>
           </a:p>
